--- a/Алгоритмическая_генерация_музыки.pptx
+++ b/Алгоритмическая_генерация_музыки.pptx
@@ -315,7 +315,7 @@
           <a:p>
             <a:fld id="{C58B2D48-6C81-458F-A252-23BBBF713DA5}" type="datetimeFigureOut">
               <a:rPr lang="en-US" smtClean="0"/>
-              <a:t>12/8/2016</a:t>
+              <a:t>12/9/2016</a:t>
             </a:fld>
             <a:endParaRPr lang="en-US"/>
           </a:p>
@@ -668,7 +668,7 @@
           <a:p>
             <a:fld id="{C58B2D48-6C81-458F-A252-23BBBF713DA5}" type="datetimeFigureOut">
               <a:rPr lang="en-US" smtClean="0"/>
-              <a:t>12/8/2016</a:t>
+              <a:t>12/9/2016</a:t>
             </a:fld>
             <a:endParaRPr lang="en-US"/>
           </a:p>
@@ -843,7 +843,7 @@
           <a:p>
             <a:fld id="{C58B2D48-6C81-458F-A252-23BBBF713DA5}" type="datetimeFigureOut">
               <a:rPr lang="en-US" smtClean="0"/>
-              <a:t>12/8/2016</a:t>
+              <a:t>12/9/2016</a:t>
             </a:fld>
             <a:endParaRPr lang="en-US"/>
           </a:p>
@@ -956,7 +956,7 @@
           <a:p>
             <a:fld id="{C58B2D48-6C81-458F-A252-23BBBF713DA5}" type="datetimeFigureOut">
               <a:rPr lang="en-US" smtClean="0"/>
-              <a:t>12/8/2016</a:t>
+              <a:t>12/9/2016</a:t>
             </a:fld>
             <a:endParaRPr lang="en-US"/>
           </a:p>
@@ -1314,7 +1314,7 @@
           <a:p>
             <a:fld id="{C58B2D48-6C81-458F-A252-23BBBF713DA5}" type="datetimeFigureOut">
               <a:rPr lang="en-US" smtClean="0"/>
-              <a:t>12/8/2016</a:t>
+              <a:t>12/9/2016</a:t>
             </a:fld>
             <a:endParaRPr lang="en-US"/>
           </a:p>
@@ -1579,7 +1579,7 @@
           <a:p>
             <a:fld id="{C58B2D48-6C81-458F-A252-23BBBF713DA5}" type="datetimeFigureOut">
               <a:rPr lang="en-US" smtClean="0"/>
-              <a:t>12/8/2016</a:t>
+              <a:t>12/9/2016</a:t>
             </a:fld>
             <a:endParaRPr lang="en-US"/>
           </a:p>
@@ -1941,7 +1941,7 @@
           <a:p>
             <a:fld id="{C58B2D48-6C81-458F-A252-23BBBF713DA5}" type="datetimeFigureOut">
               <a:rPr lang="en-US" smtClean="0"/>
-              <a:t>12/8/2016</a:t>
+              <a:t>12/9/2016</a:t>
             </a:fld>
             <a:endParaRPr lang="en-US"/>
           </a:p>
@@ -2168,7 +2168,7 @@
           <a:p>
             <a:fld id="{C58B2D48-6C81-458F-A252-23BBBF713DA5}" type="datetimeFigureOut">
               <a:rPr lang="en-US" smtClean="0"/>
-              <a:t>12/8/2016</a:t>
+              <a:t>12/9/2016</a:t>
             </a:fld>
             <a:endParaRPr lang="en-US"/>
           </a:p>
@@ -2258,7 +2258,7 @@
           <a:p>
             <a:fld id="{C58B2D48-6C81-458F-A252-23BBBF713DA5}" type="datetimeFigureOut">
               <a:rPr lang="en-US" smtClean="0"/>
-              <a:t>12/8/2016</a:t>
+              <a:t>12/9/2016</a:t>
             </a:fld>
             <a:endParaRPr lang="en-US"/>
           </a:p>
@@ -2525,7 +2525,7 @@
           <a:p>
             <a:fld id="{C58B2D48-6C81-458F-A252-23BBBF713DA5}" type="datetimeFigureOut">
               <a:rPr lang="en-US" smtClean="0"/>
-              <a:t>12/8/2016</a:t>
+              <a:t>12/9/2016</a:t>
             </a:fld>
             <a:endParaRPr lang="en-US"/>
           </a:p>
@@ -2753,7 +2753,7 @@
           <a:p>
             <a:fld id="{C58B2D48-6C81-458F-A252-23BBBF713DA5}" type="datetimeFigureOut">
               <a:rPr lang="en-US" smtClean="0"/>
-              <a:t>12/8/2016</a:t>
+              <a:t>12/9/2016</a:t>
             </a:fld>
             <a:endParaRPr lang="en-US"/>
           </a:p>
@@ -3252,7 +3252,7 @@
           <a:p>
             <a:fld id="{C58B2D48-6C81-458F-A252-23BBBF713DA5}" type="datetimeFigureOut">
               <a:rPr lang="en-US" smtClean="0"/>
-              <a:t>12/8/2016</a:t>
+              <a:t>12/9/2016</a:t>
             </a:fld>
             <a:endParaRPr lang="en-US"/>
           </a:p>
@@ -3787,8 +3787,8 @@
           </a:p>
         </p:txBody>
       </p:sp>
-      <mc:AlternateContent xmlns:mc="http://schemas.openxmlformats.org/markup-compatibility/2006">
-        <mc:Choice xmlns:a14="http://schemas.microsoft.com/office/drawing/2010/main" Requires="a14">
+      <mc:AlternateContent xmlns:mc="http://schemas.openxmlformats.org/markup-compatibility/2006" xmlns:a14="http://schemas.microsoft.com/office/drawing/2010/main">
+        <mc:Choice Requires="a14">
           <p:sp>
             <p:nvSpPr>
               <p:cNvPr id="3" name="Объект 2"/>
@@ -3817,64 +3817,86 @@
                     <m:sSub>
                       <m:sSubPr>
                         <m:ctrlPr>
-                          <a:rPr lang="en-US" i="1"/>
+                          <a:rPr lang="en-US" i="1">
+                            <a:latin typeface="Cambria Math"/>
+                          </a:rPr>
                         </m:ctrlPr>
                       </m:sSubPr>
                       <m:e>
                         <m:r>
-                          <a:rPr lang="ru-RU" i="1"/>
+                          <a:rPr lang="ru-RU" i="1">
+                            <a:latin typeface="Cambria Math"/>
+                          </a:rPr>
                           <m:t>𝑐</m:t>
                         </m:r>
                       </m:e>
                       <m:sub>
                         <m:r>
-                          <a:rPr lang="ru-RU" i="1"/>
+                          <a:rPr lang="ru-RU" i="1">
+                            <a:latin typeface="Cambria Math"/>
+                          </a:rPr>
                           <m:t>1</m:t>
                         </m:r>
                       </m:sub>
                     </m:sSub>
                     <m:r>
-                      <a:rPr lang="ru-RU" i="1"/>
+                      <a:rPr lang="ru-RU" i="1">
+                        <a:latin typeface="Cambria Math"/>
+                      </a:rPr>
                       <m:t>, </m:t>
                     </m:r>
                     <m:sSub>
                       <m:sSubPr>
                         <m:ctrlPr>
-                          <a:rPr lang="en-US" i="1"/>
+                          <a:rPr lang="en-US" i="1">
+                            <a:latin typeface="Cambria Math"/>
+                          </a:rPr>
                         </m:ctrlPr>
                       </m:sSubPr>
                       <m:e>
                         <m:r>
-                          <a:rPr lang="ru-RU" i="1"/>
+                          <a:rPr lang="ru-RU" i="1">
+                            <a:latin typeface="Cambria Math"/>
+                          </a:rPr>
                           <m:t>𝑐</m:t>
                         </m:r>
                       </m:e>
                       <m:sub>
                         <m:r>
-                          <a:rPr lang="ru-RU" i="1"/>
+                          <a:rPr lang="ru-RU" i="1">
+                            <a:latin typeface="Cambria Math"/>
+                          </a:rPr>
                           <m:t>2</m:t>
                         </m:r>
                       </m:sub>
                     </m:sSub>
                     <m:r>
-                      <a:rPr lang="ru-RU" i="1"/>
+                      <a:rPr lang="ru-RU" i="1">
+                        <a:latin typeface="Cambria Math"/>
+                      </a:rPr>
                       <m:t>,…,</m:t>
                     </m:r>
                     <m:sSub>
                       <m:sSubPr>
                         <m:ctrlPr>
-                          <a:rPr lang="en-US" i="1"/>
+                          <a:rPr lang="en-US" i="1">
+                            <a:latin typeface="Cambria Math"/>
+                          </a:rPr>
                         </m:ctrlPr>
                       </m:sSubPr>
                       <m:e>
                         <m:r>
-                          <a:rPr lang="ru-RU" i="1"/>
+                          <a:rPr lang="ru-RU" i="1">
+                            <a:latin typeface="Cambria Math"/>
+                          </a:rPr>
                           <m:t>𝑐</m:t>
                         </m:r>
                       </m:e>
                       <m:sub>
                         <m:r>
-                          <a:rPr lang="ru-RU" i="1"/>
+                          <a:rPr lang="ru-RU" i="1">
+                            <a:latin typeface="Cambria Math"/>
+                          </a:rPr>
                           <m:t>𝑛</m:t>
                         </m:r>
                       </m:sub>
@@ -3893,7 +3915,7 @@
             </p:txBody>
           </p:sp>
         </mc:Choice>
-        <mc:Fallback>
+        <mc:Fallback xmlns="">
           <p:sp>
             <p:nvSpPr>
               <p:cNvPr id="3" name="Объект 2"/>
@@ -6100,22 +6122,13 @@
           <a:p>
             <a:r>
               <a:rPr lang="ru-RU" dirty="0" smtClean="0"/>
-              <a:t> </a:t>
-            </a:r>
-            <a:r>
-              <a:rPr lang="ru-RU" dirty="0" smtClean="0"/>
-              <a:t>Метод поиска с возвратом даёт приемлемые результаты. Главный плюс в анализе гармонических переходов.</a:t>
-            </a:r>
-            <a:endParaRPr lang="ru-RU" dirty="0" smtClean="0"/>
+              <a:t> Метод поиска с возвратом даёт приемлемые результаты. Главный плюс в анализе гармонических переходов.</a:t>
+            </a:r>
           </a:p>
           <a:p>
             <a:r>
               <a:rPr lang="ru-RU" dirty="0"/>
-              <a:t> </a:t>
-            </a:r>
-            <a:r>
-              <a:rPr lang="ru-RU" dirty="0"/>
-              <a:t>Реализованный </a:t>
+              <a:t> Реализованный </a:t>
             </a:r>
             <a:r>
               <a:rPr lang="ru-RU" dirty="0" smtClean="0"/>
@@ -6146,11 +6159,7 @@
             </a:r>
             <a:r>
               <a:rPr lang="ru-RU" dirty="0" smtClean="0"/>
-              <a:t>   </a:t>
-            </a:r>
-            <a:r>
-              <a:rPr lang="ru-RU" dirty="0" smtClean="0"/>
-              <a:t>Спасибо</a:t>
+              <a:t>   Спасибо</a:t>
             </a:r>
             <a:endParaRPr lang="en-US" dirty="0"/>
           </a:p>
@@ -6467,15 +6476,7 @@
           <a:p>
             <a:r>
               <a:rPr lang="ru-RU" dirty="0" smtClean="0"/>
-              <a:t>Глава </a:t>
-            </a:r>
-            <a:r>
-              <a:rPr lang="ru-RU" dirty="0" smtClean="0"/>
-              <a:t>2. </a:t>
-            </a:r>
-            <a:r>
-              <a:rPr lang="ru-RU" dirty="0" smtClean="0"/>
-              <a:t>Гармонизация мелодии</a:t>
+              <a:t>Глава 2. Гармонизация мелодии</a:t>
             </a:r>
             <a:endParaRPr lang="en-US" dirty="0"/>
           </a:p>
@@ -6819,11 +6820,7 @@
           <a:p>
             <a:r>
               <a:rPr lang="ru-RU" dirty="0" smtClean="0"/>
-              <a:t>Глава </a:t>
-            </a:r>
-            <a:r>
-              <a:rPr lang="ru-RU" dirty="0" smtClean="0"/>
-              <a:t>2. Поиск с возвратом</a:t>
+              <a:t>Глава 2. Поиск с возвратом</a:t>
             </a:r>
             <a:endParaRPr lang="en-US" dirty="0"/>
           </a:p>
@@ -6842,7 +6839,7 @@
         <p:spPr/>
         <p:txBody>
           <a:bodyPr>
-            <a:normAutofit fontScale="92500"/>
+            <a:normAutofit/>
           </a:bodyPr>
           <a:lstStyle/>
           <a:p>
@@ -6852,62 +6849,21 @@
             </a:r>
             <a:r>
               <a:rPr lang="ru-RU" dirty="0"/>
-              <a:t>1) Первый звук мелодии может гармонизироваться аккордом любой функции, порядок их выбора: </a:t>
-            </a:r>
-            <a:r>
-              <a:rPr lang="en-US" dirty="0"/>
-              <a:t>T</a:t>
-            </a:r>
-            <a:r>
-              <a:rPr lang="ru-RU" dirty="0"/>
-              <a:t>, </a:t>
-            </a:r>
-            <a:r>
-              <a:rPr lang="en-US" dirty="0"/>
-              <a:t>S</a:t>
-            </a:r>
-            <a:r>
-              <a:rPr lang="ru-RU" dirty="0"/>
-              <a:t>, </a:t>
-            </a:r>
-            <a:r>
-              <a:rPr lang="en-US" dirty="0"/>
-              <a:t>D</a:t>
-            </a:r>
-            <a:r>
-              <a:rPr lang="ru-RU" dirty="0"/>
-              <a:t>, </a:t>
-            </a:r>
-            <a:r>
-              <a:rPr lang="en-US" dirty="0"/>
-              <a:t>VI</a:t>
-            </a:r>
-            <a:r>
-              <a:rPr lang="ru-RU" dirty="0"/>
-              <a:t>, </a:t>
-            </a:r>
-            <a:r>
-              <a:rPr lang="en-US" dirty="0"/>
-              <a:t>II</a:t>
-            </a:r>
-            <a:r>
-              <a:rPr lang="ru-RU" dirty="0"/>
-              <a:t>, </a:t>
-            </a:r>
-            <a:r>
-              <a:rPr lang="en-US" dirty="0"/>
-              <a:t>VII</a:t>
-            </a:r>
-            <a:r>
-              <a:rPr lang="ru-RU" dirty="0"/>
-              <a:t>. Осуществляем выбор и переходим к следующему звуку.</a:t>
-            </a:r>
-            <a:endParaRPr lang="en-US" dirty="0"/>
-          </a:p>
-          <a:p>
-            <a:r>
-              <a:rPr lang="ru-RU" dirty="0"/>
-              <a:t>2) Для каждого звука мелодии рассматривается пересечение двух множеств: множества функций, в составе аккордов которой звук как ступень может присутствовать и множества функций, допустимых после предыдущей функции. Если это множество не пусто, то осуществляем выбор (в заданном во втором множестве порядке) и переходим к следующему звуку (пункт 2)</a:t>
+              <a:t>1) Первый звук мелодии может гармонизироваться аккордом любой </a:t>
+            </a:r>
+            <a:r>
+              <a:rPr lang="ru-RU" dirty="0" smtClean="0"/>
+              <a:t>функции.</a:t>
+            </a:r>
+            <a:endParaRPr lang="en-US" dirty="0" smtClean="0"/>
+          </a:p>
+          <a:p>
+            <a:endParaRPr lang="en-US" dirty="0" smtClean="0"/>
+          </a:p>
+          <a:p>
+            <a:r>
+              <a:rPr lang="ru-RU" dirty="0" smtClean="0"/>
+              <a:t>2) Для каждого звука мелодии рассматривается пересечение двух множеств: множества функций, в составе аккордов которой звук как ступень может присутствовать и множества функций, допустимых после предыдущей функции. Если это множество не пусто, то осуществляем выбор</a:t>
             </a:r>
             <a:endParaRPr lang="en-US" dirty="0"/>
           </a:p>
@@ -6967,34 +6923,34 @@
           <a:p>
             <a:r>
               <a:rPr lang="ru-RU" dirty="0" smtClean="0"/>
-              <a:t>Глава </a:t>
+              <a:t>Глава 2. Поиск с возвратом</a:t>
+            </a:r>
+            <a:endParaRPr lang="en-US" dirty="0"/>
+          </a:p>
+        </p:txBody>
+      </p:sp>
+      <p:sp>
+        <p:nvSpPr>
+          <p:cNvPr id="3" name="Объект 2"/>
+          <p:cNvSpPr>
+            <a:spLocks noGrp="1"/>
+          </p:cNvSpPr>
+          <p:nvPr>
+            <p:ph sz="quarter" idx="1"/>
+          </p:nvPr>
+        </p:nvSpPr>
+        <p:spPr/>
+        <p:txBody>
+          <a:bodyPr/>
+          <a:lstStyle/>
+          <a:p>
+            <a:r>
+              <a:rPr lang="ru-RU" dirty="0"/>
+              <a:t>3) Если пересечение множеств пусто, возвращаемся к предыдущему звуку и выбираем для его гармонизации другую </a:t>
             </a:r>
             <a:r>
               <a:rPr lang="ru-RU" dirty="0" smtClean="0"/>
-              <a:t>2. Поиск с возвратом</a:t>
-            </a:r>
-            <a:endParaRPr lang="en-US" dirty="0"/>
-          </a:p>
-        </p:txBody>
-      </p:sp>
-      <p:sp>
-        <p:nvSpPr>
-          <p:cNvPr id="3" name="Объект 2"/>
-          <p:cNvSpPr>
-            <a:spLocks noGrp="1"/>
-          </p:cNvSpPr>
-          <p:nvPr>
-            <p:ph sz="quarter" idx="1"/>
-          </p:nvPr>
-        </p:nvSpPr>
-        <p:spPr/>
-        <p:txBody>
-          <a:bodyPr/>
-          <a:lstStyle/>
-          <a:p>
-            <a:r>
-              <a:rPr lang="ru-RU" dirty="0"/>
-              <a:t>3) Если пересечение множеств пусто, возвращаемся к предыдущему звуку и выбираем для его гармонизации другую функцию. Переходим к следующему звуку. </a:t>
+              <a:t>функцию. </a:t>
             </a:r>
             <a:endParaRPr lang="en-US" dirty="0" smtClean="0"/>
           </a:p>
@@ -7068,15 +7024,7 @@
           <a:p>
             <a:r>
               <a:rPr lang="ru-RU" dirty="0" smtClean="0"/>
-              <a:t>Глава </a:t>
-            </a:r>
-            <a:r>
-              <a:rPr lang="ru-RU" dirty="0" smtClean="0"/>
-              <a:t>2. </a:t>
-            </a:r>
-            <a:r>
-              <a:rPr lang="ru-RU" dirty="0" smtClean="0"/>
-              <a:t>«В лесу родилась ёлочка»</a:t>
+              <a:t>Глава 2. «В лесу родилась ёлочка»</a:t>
             </a:r>
             <a:endParaRPr lang="en-US" dirty="0"/>
           </a:p>
@@ -7275,15 +7223,7 @@
           <a:p>
             <a:r>
               <a:rPr lang="ru-RU" dirty="0" smtClean="0"/>
-              <a:t>Глава </a:t>
-            </a:r>
-            <a:r>
-              <a:rPr lang="ru-RU" dirty="0" smtClean="0"/>
-              <a:t>2. </a:t>
-            </a:r>
-            <a:r>
-              <a:rPr lang="ru-RU" dirty="0" smtClean="0"/>
-              <a:t>Ария </a:t>
+              <a:t>Глава 2. Ария </a:t>
             </a:r>
             <a:r>
               <a:rPr lang="ru-RU" dirty="0" err="1" smtClean="0"/>
